--- a/ppt 16-9/0725.要主自己.pptx
+++ b/ppt 16-9/0725.要主自己.pptx
@@ -129,7 +129,7 @@
           <p:cNvPr id="2" name="标题 1">
             <a:extLst>
               <a:ext uri="{FF2B5EF4-FFF2-40B4-BE49-F238E27FC236}">
-                <a16:creationId xmlns:a16="http://schemas.microsoft.com/office/drawing/2014/main" id="{CAD911E2-D897-A8EA-7559-0E56DEA682CA}"/>
+                <a16:creationId xmlns:a16="http://schemas.microsoft.com/office/drawing/2014/main" id="{414F7996-A5F0-F589-D845-455105DB0B5F}"/>
               </a:ext>
             </a:extLst>
           </p:cNvPr>
@@ -166,7 +166,7 @@
           <p:cNvPr id="3" name="副标题 2">
             <a:extLst>
               <a:ext uri="{FF2B5EF4-FFF2-40B4-BE49-F238E27FC236}">
-                <a16:creationId xmlns:a16="http://schemas.microsoft.com/office/drawing/2014/main" id="{BEF2C306-80B8-4993-DBD0-CE5AFBCD48CE}"/>
+                <a16:creationId xmlns:a16="http://schemas.microsoft.com/office/drawing/2014/main" id="{506DF1C5-6DF7-D9DE-235A-B3C5A25EB8C4}"/>
               </a:ext>
             </a:extLst>
           </p:cNvPr>
@@ -236,7 +236,7 @@
           <p:cNvPr id="4" name="日期占位符 3">
             <a:extLst>
               <a:ext uri="{FF2B5EF4-FFF2-40B4-BE49-F238E27FC236}">
-                <a16:creationId xmlns:a16="http://schemas.microsoft.com/office/drawing/2014/main" id="{69300631-B500-6ED8-E2E1-EF2636343728}"/>
+                <a16:creationId xmlns:a16="http://schemas.microsoft.com/office/drawing/2014/main" id="{52886D40-5D60-3B82-D087-29EDD14C0288}"/>
               </a:ext>
             </a:extLst>
           </p:cNvPr>
@@ -252,7 +252,7 @@
           <a:bodyPr/>
           <a:lstStyle/>
           <a:p>
-            <a:fld id="{7ADA73FC-F078-4F7E-950F-1E63BE569201}" type="datetimeFigureOut">
+            <a:fld id="{1CA5F94E-E1B5-4B93-8EA9-57DCC65247E8}" type="datetimeFigureOut">
               <a:rPr lang="zh-CN" altLang="en-US" smtClean="0"/>
               <a:t>2024/3/10</a:t>
             </a:fld>
@@ -265,7 +265,7 @@
           <p:cNvPr id="5" name="页脚占位符 4">
             <a:extLst>
               <a:ext uri="{FF2B5EF4-FFF2-40B4-BE49-F238E27FC236}">
-                <a16:creationId xmlns:a16="http://schemas.microsoft.com/office/drawing/2014/main" id="{A08F4462-3718-A0AD-E20C-0098FB291FFC}"/>
+                <a16:creationId xmlns:a16="http://schemas.microsoft.com/office/drawing/2014/main" id="{3B191F61-49E2-D231-48C4-FC72B864E648}"/>
               </a:ext>
             </a:extLst>
           </p:cNvPr>
@@ -290,7 +290,7 @@
           <p:cNvPr id="6" name="灯片编号占位符 5">
             <a:extLst>
               <a:ext uri="{FF2B5EF4-FFF2-40B4-BE49-F238E27FC236}">
-                <a16:creationId xmlns:a16="http://schemas.microsoft.com/office/drawing/2014/main" id="{300FDF82-E518-93CD-933F-A8E36A90256E}"/>
+                <a16:creationId xmlns:a16="http://schemas.microsoft.com/office/drawing/2014/main" id="{0B04579F-7404-EA56-C782-77095C47FA41}"/>
               </a:ext>
             </a:extLst>
           </p:cNvPr>
@@ -306,7 +306,7 @@
           <a:bodyPr/>
           <a:lstStyle/>
           <a:p>
-            <a:fld id="{FF3FA316-C751-41E0-B599-EF417C90ADF1}" type="slidenum">
+            <a:fld id="{0F30C6E5-CA08-43FC-A69F-3D268A149A83}" type="slidenum">
               <a:rPr lang="zh-CN" altLang="en-US" smtClean="0"/>
               <a:t>‹#›</a:t>
             </a:fld>
@@ -317,7 +317,7 @@
     </p:spTree>
     <p:extLst>
       <p:ext uri="{BB962C8B-B14F-4D97-AF65-F5344CB8AC3E}">
-        <p14:creationId xmlns:p14="http://schemas.microsoft.com/office/powerpoint/2010/main" val="1073344622"/>
+        <p14:creationId xmlns:p14="http://schemas.microsoft.com/office/powerpoint/2010/main" val="1552309165"/>
       </p:ext>
     </p:extLst>
   </p:cSld>
@@ -349,7 +349,7 @@
           <p:cNvPr id="2" name="标题 1">
             <a:extLst>
               <a:ext uri="{FF2B5EF4-FFF2-40B4-BE49-F238E27FC236}">
-                <a16:creationId xmlns:a16="http://schemas.microsoft.com/office/drawing/2014/main" id="{0196313C-699B-989A-83FE-DEA6A6229268}"/>
+                <a16:creationId xmlns:a16="http://schemas.microsoft.com/office/drawing/2014/main" id="{6216B4E1-DE09-AA77-5A2A-8627AA6BE217}"/>
               </a:ext>
             </a:extLst>
           </p:cNvPr>
@@ -377,7 +377,7 @@
           <p:cNvPr id="3" name="竖排文字占位符 2">
             <a:extLst>
               <a:ext uri="{FF2B5EF4-FFF2-40B4-BE49-F238E27FC236}">
-                <a16:creationId xmlns:a16="http://schemas.microsoft.com/office/drawing/2014/main" id="{E201F7E5-BD9D-7ADF-157B-FC392B2A3696}"/>
+                <a16:creationId xmlns:a16="http://schemas.microsoft.com/office/drawing/2014/main" id="{71ADC9DA-65FE-526B-3B21-6669B2A8C0BF}"/>
               </a:ext>
             </a:extLst>
           </p:cNvPr>
@@ -434,7 +434,7 @@
           <p:cNvPr id="4" name="日期占位符 3">
             <a:extLst>
               <a:ext uri="{FF2B5EF4-FFF2-40B4-BE49-F238E27FC236}">
-                <a16:creationId xmlns:a16="http://schemas.microsoft.com/office/drawing/2014/main" id="{E4824214-C242-1EE1-B34D-DC89BC81F1F8}"/>
+                <a16:creationId xmlns:a16="http://schemas.microsoft.com/office/drawing/2014/main" id="{18E1B02C-3D97-B8F2-C2CD-390FEC6E6317}"/>
               </a:ext>
             </a:extLst>
           </p:cNvPr>
@@ -450,7 +450,7 @@
           <a:bodyPr/>
           <a:lstStyle/>
           <a:p>
-            <a:fld id="{7ADA73FC-F078-4F7E-950F-1E63BE569201}" type="datetimeFigureOut">
+            <a:fld id="{1CA5F94E-E1B5-4B93-8EA9-57DCC65247E8}" type="datetimeFigureOut">
               <a:rPr lang="zh-CN" altLang="en-US" smtClean="0"/>
               <a:t>2024/3/10</a:t>
             </a:fld>
@@ -463,7 +463,7 @@
           <p:cNvPr id="5" name="页脚占位符 4">
             <a:extLst>
               <a:ext uri="{FF2B5EF4-FFF2-40B4-BE49-F238E27FC236}">
-                <a16:creationId xmlns:a16="http://schemas.microsoft.com/office/drawing/2014/main" id="{829D7ABD-F2C9-1F82-A830-FF89B5CC6211}"/>
+                <a16:creationId xmlns:a16="http://schemas.microsoft.com/office/drawing/2014/main" id="{B77AF22B-4E2D-D840-9EE1-60C122A6844B}"/>
               </a:ext>
             </a:extLst>
           </p:cNvPr>
@@ -488,7 +488,7 @@
           <p:cNvPr id="6" name="灯片编号占位符 5">
             <a:extLst>
               <a:ext uri="{FF2B5EF4-FFF2-40B4-BE49-F238E27FC236}">
-                <a16:creationId xmlns:a16="http://schemas.microsoft.com/office/drawing/2014/main" id="{308C53DE-DEB5-1638-AE0C-0AB4D55B6C62}"/>
+                <a16:creationId xmlns:a16="http://schemas.microsoft.com/office/drawing/2014/main" id="{41068556-4DBF-95E8-F2FA-0FF23BE35491}"/>
               </a:ext>
             </a:extLst>
           </p:cNvPr>
@@ -504,7 +504,7 @@
           <a:bodyPr/>
           <a:lstStyle/>
           <a:p>
-            <a:fld id="{FF3FA316-C751-41E0-B599-EF417C90ADF1}" type="slidenum">
+            <a:fld id="{0F30C6E5-CA08-43FC-A69F-3D268A149A83}" type="slidenum">
               <a:rPr lang="zh-CN" altLang="en-US" smtClean="0"/>
               <a:t>‹#›</a:t>
             </a:fld>
@@ -515,7 +515,7 @@
     </p:spTree>
     <p:extLst>
       <p:ext uri="{BB962C8B-B14F-4D97-AF65-F5344CB8AC3E}">
-        <p14:creationId xmlns:p14="http://schemas.microsoft.com/office/powerpoint/2010/main" val="1727730321"/>
+        <p14:creationId xmlns:p14="http://schemas.microsoft.com/office/powerpoint/2010/main" val="1397370324"/>
       </p:ext>
     </p:extLst>
   </p:cSld>
@@ -547,7 +547,7 @@
           <p:cNvPr id="2" name="竖排标题 1">
             <a:extLst>
               <a:ext uri="{FF2B5EF4-FFF2-40B4-BE49-F238E27FC236}">
-                <a16:creationId xmlns:a16="http://schemas.microsoft.com/office/drawing/2014/main" id="{8B74C0FB-3072-6FEE-FCF4-38A961DA663E}"/>
+                <a16:creationId xmlns:a16="http://schemas.microsoft.com/office/drawing/2014/main" id="{95D3E16B-BD09-39E3-01E2-19161C45B8D5}"/>
               </a:ext>
             </a:extLst>
           </p:cNvPr>
@@ -580,7 +580,7 @@
           <p:cNvPr id="3" name="竖排文字占位符 2">
             <a:extLst>
               <a:ext uri="{FF2B5EF4-FFF2-40B4-BE49-F238E27FC236}">
-                <a16:creationId xmlns:a16="http://schemas.microsoft.com/office/drawing/2014/main" id="{66A8A80E-9979-ABBF-0869-9131D59D037A}"/>
+                <a16:creationId xmlns:a16="http://schemas.microsoft.com/office/drawing/2014/main" id="{DE4083D4-B73E-72D3-3CC1-E56F95A45DA9}"/>
               </a:ext>
             </a:extLst>
           </p:cNvPr>
@@ -642,7 +642,7 @@
           <p:cNvPr id="4" name="日期占位符 3">
             <a:extLst>
               <a:ext uri="{FF2B5EF4-FFF2-40B4-BE49-F238E27FC236}">
-                <a16:creationId xmlns:a16="http://schemas.microsoft.com/office/drawing/2014/main" id="{B6D89B2F-E233-FAE9-7E3C-35950A941FE4}"/>
+                <a16:creationId xmlns:a16="http://schemas.microsoft.com/office/drawing/2014/main" id="{9ED0B571-A792-C98B-D1F8-8134F53FB15F}"/>
               </a:ext>
             </a:extLst>
           </p:cNvPr>
@@ -658,7 +658,7 @@
           <a:bodyPr/>
           <a:lstStyle/>
           <a:p>
-            <a:fld id="{7ADA73FC-F078-4F7E-950F-1E63BE569201}" type="datetimeFigureOut">
+            <a:fld id="{1CA5F94E-E1B5-4B93-8EA9-57DCC65247E8}" type="datetimeFigureOut">
               <a:rPr lang="zh-CN" altLang="en-US" smtClean="0"/>
               <a:t>2024/3/10</a:t>
             </a:fld>
@@ -671,7 +671,7 @@
           <p:cNvPr id="5" name="页脚占位符 4">
             <a:extLst>
               <a:ext uri="{FF2B5EF4-FFF2-40B4-BE49-F238E27FC236}">
-                <a16:creationId xmlns:a16="http://schemas.microsoft.com/office/drawing/2014/main" id="{69144CA7-DAA8-96D0-2CB2-FEE645302B93}"/>
+                <a16:creationId xmlns:a16="http://schemas.microsoft.com/office/drawing/2014/main" id="{9B16700E-6840-37FB-FC36-62FB984791D3}"/>
               </a:ext>
             </a:extLst>
           </p:cNvPr>
@@ -696,7 +696,7 @@
           <p:cNvPr id="6" name="灯片编号占位符 5">
             <a:extLst>
               <a:ext uri="{FF2B5EF4-FFF2-40B4-BE49-F238E27FC236}">
-                <a16:creationId xmlns:a16="http://schemas.microsoft.com/office/drawing/2014/main" id="{040336EB-14B7-A6EE-CB88-4C853B117FD8}"/>
+                <a16:creationId xmlns:a16="http://schemas.microsoft.com/office/drawing/2014/main" id="{BB963B0E-98BB-F318-86DA-FE2914DB1CCB}"/>
               </a:ext>
             </a:extLst>
           </p:cNvPr>
@@ -712,7 +712,7 @@
           <a:bodyPr/>
           <a:lstStyle/>
           <a:p>
-            <a:fld id="{FF3FA316-C751-41E0-B599-EF417C90ADF1}" type="slidenum">
+            <a:fld id="{0F30C6E5-CA08-43FC-A69F-3D268A149A83}" type="slidenum">
               <a:rPr lang="zh-CN" altLang="en-US" smtClean="0"/>
               <a:t>‹#›</a:t>
             </a:fld>
@@ -723,7 +723,7 @@
     </p:spTree>
     <p:extLst>
       <p:ext uri="{BB962C8B-B14F-4D97-AF65-F5344CB8AC3E}">
-        <p14:creationId xmlns:p14="http://schemas.microsoft.com/office/powerpoint/2010/main" val="4014862838"/>
+        <p14:creationId xmlns:p14="http://schemas.microsoft.com/office/powerpoint/2010/main" val="1522761300"/>
       </p:ext>
     </p:extLst>
   </p:cSld>
@@ -755,7 +755,7 @@
           <p:cNvPr id="2" name="标题 1">
             <a:extLst>
               <a:ext uri="{FF2B5EF4-FFF2-40B4-BE49-F238E27FC236}">
-                <a16:creationId xmlns:a16="http://schemas.microsoft.com/office/drawing/2014/main" id="{D396EC08-B9D5-2C0A-2A47-A8872D80DCED}"/>
+                <a16:creationId xmlns:a16="http://schemas.microsoft.com/office/drawing/2014/main" id="{6472E9DB-9047-6833-BD19-8415C5EBECEF}"/>
               </a:ext>
             </a:extLst>
           </p:cNvPr>
@@ -783,7 +783,7 @@
           <p:cNvPr id="3" name="内容占位符 2">
             <a:extLst>
               <a:ext uri="{FF2B5EF4-FFF2-40B4-BE49-F238E27FC236}">
-                <a16:creationId xmlns:a16="http://schemas.microsoft.com/office/drawing/2014/main" id="{653B211E-FC49-04DD-247D-181CC2017C17}"/>
+                <a16:creationId xmlns:a16="http://schemas.microsoft.com/office/drawing/2014/main" id="{A13C2813-1385-44CB-67FE-F203B2E569A8}"/>
               </a:ext>
             </a:extLst>
           </p:cNvPr>
@@ -840,7 +840,7 @@
           <p:cNvPr id="4" name="日期占位符 3">
             <a:extLst>
               <a:ext uri="{FF2B5EF4-FFF2-40B4-BE49-F238E27FC236}">
-                <a16:creationId xmlns:a16="http://schemas.microsoft.com/office/drawing/2014/main" id="{F588368B-4479-4C09-598A-CD2D7C2D61C6}"/>
+                <a16:creationId xmlns:a16="http://schemas.microsoft.com/office/drawing/2014/main" id="{A9571E3D-739C-B5D6-2096-15D85705C5D9}"/>
               </a:ext>
             </a:extLst>
           </p:cNvPr>
@@ -856,7 +856,7 @@
           <a:bodyPr/>
           <a:lstStyle/>
           <a:p>
-            <a:fld id="{7ADA73FC-F078-4F7E-950F-1E63BE569201}" type="datetimeFigureOut">
+            <a:fld id="{1CA5F94E-E1B5-4B93-8EA9-57DCC65247E8}" type="datetimeFigureOut">
               <a:rPr lang="zh-CN" altLang="en-US" smtClean="0"/>
               <a:t>2024/3/10</a:t>
             </a:fld>
@@ -869,7 +869,7 @@
           <p:cNvPr id="5" name="页脚占位符 4">
             <a:extLst>
               <a:ext uri="{FF2B5EF4-FFF2-40B4-BE49-F238E27FC236}">
-                <a16:creationId xmlns:a16="http://schemas.microsoft.com/office/drawing/2014/main" id="{BB96D683-D47E-0600-4A11-ED07FFCA6163}"/>
+                <a16:creationId xmlns:a16="http://schemas.microsoft.com/office/drawing/2014/main" id="{E07AB67B-8723-B250-9ADC-DD66AF643EA1}"/>
               </a:ext>
             </a:extLst>
           </p:cNvPr>
@@ -894,7 +894,7 @@
           <p:cNvPr id="6" name="灯片编号占位符 5">
             <a:extLst>
               <a:ext uri="{FF2B5EF4-FFF2-40B4-BE49-F238E27FC236}">
-                <a16:creationId xmlns:a16="http://schemas.microsoft.com/office/drawing/2014/main" id="{99AC621C-6ACE-0672-EA4B-A531ECED5160}"/>
+                <a16:creationId xmlns:a16="http://schemas.microsoft.com/office/drawing/2014/main" id="{792AC3FD-1BD3-2BF3-0B71-8FAC2DA78E49}"/>
               </a:ext>
             </a:extLst>
           </p:cNvPr>
@@ -910,7 +910,7 @@
           <a:bodyPr/>
           <a:lstStyle/>
           <a:p>
-            <a:fld id="{FF3FA316-C751-41E0-B599-EF417C90ADF1}" type="slidenum">
+            <a:fld id="{0F30C6E5-CA08-43FC-A69F-3D268A149A83}" type="slidenum">
               <a:rPr lang="zh-CN" altLang="en-US" smtClean="0"/>
               <a:t>‹#›</a:t>
             </a:fld>
@@ -921,7 +921,7 @@
     </p:spTree>
     <p:extLst>
       <p:ext uri="{BB962C8B-B14F-4D97-AF65-F5344CB8AC3E}">
-        <p14:creationId xmlns:p14="http://schemas.microsoft.com/office/powerpoint/2010/main" val="2676245156"/>
+        <p14:creationId xmlns:p14="http://schemas.microsoft.com/office/powerpoint/2010/main" val="1857185426"/>
       </p:ext>
     </p:extLst>
   </p:cSld>
@@ -953,7 +953,7 @@
           <p:cNvPr id="2" name="标题 1">
             <a:extLst>
               <a:ext uri="{FF2B5EF4-FFF2-40B4-BE49-F238E27FC236}">
-                <a16:creationId xmlns:a16="http://schemas.microsoft.com/office/drawing/2014/main" id="{8214835B-0F6B-4CE8-FE28-07AF3092E3E2}"/>
+                <a16:creationId xmlns:a16="http://schemas.microsoft.com/office/drawing/2014/main" id="{A5C7C538-0C8A-F58A-A0A1-DDB48EF54B65}"/>
               </a:ext>
             </a:extLst>
           </p:cNvPr>
@@ -990,7 +990,7 @@
           <p:cNvPr id="3" name="文本占位符 2">
             <a:extLst>
               <a:ext uri="{FF2B5EF4-FFF2-40B4-BE49-F238E27FC236}">
-                <a16:creationId xmlns:a16="http://schemas.microsoft.com/office/drawing/2014/main" id="{09462FE1-E8C6-2901-90EA-96789EE31BB6}"/>
+                <a16:creationId xmlns:a16="http://schemas.microsoft.com/office/drawing/2014/main" id="{04507617-34DD-DEA3-3656-AD2F95E9E63D}"/>
               </a:ext>
             </a:extLst>
           </p:cNvPr>
@@ -1115,7 +1115,7 @@
           <p:cNvPr id="4" name="日期占位符 3">
             <a:extLst>
               <a:ext uri="{FF2B5EF4-FFF2-40B4-BE49-F238E27FC236}">
-                <a16:creationId xmlns:a16="http://schemas.microsoft.com/office/drawing/2014/main" id="{D4F9FC36-E011-2983-ED3A-45A360AEA326}"/>
+                <a16:creationId xmlns:a16="http://schemas.microsoft.com/office/drawing/2014/main" id="{4EA22D3E-7D97-B1FA-4CF1-95A56971A3D2}"/>
               </a:ext>
             </a:extLst>
           </p:cNvPr>
@@ -1131,7 +1131,7 @@
           <a:bodyPr/>
           <a:lstStyle/>
           <a:p>
-            <a:fld id="{7ADA73FC-F078-4F7E-950F-1E63BE569201}" type="datetimeFigureOut">
+            <a:fld id="{1CA5F94E-E1B5-4B93-8EA9-57DCC65247E8}" type="datetimeFigureOut">
               <a:rPr lang="zh-CN" altLang="en-US" smtClean="0"/>
               <a:t>2024/3/10</a:t>
             </a:fld>
@@ -1144,7 +1144,7 @@
           <p:cNvPr id="5" name="页脚占位符 4">
             <a:extLst>
               <a:ext uri="{FF2B5EF4-FFF2-40B4-BE49-F238E27FC236}">
-                <a16:creationId xmlns:a16="http://schemas.microsoft.com/office/drawing/2014/main" id="{D1B99CDC-0014-9C86-4C18-2D954DECD4AF}"/>
+                <a16:creationId xmlns:a16="http://schemas.microsoft.com/office/drawing/2014/main" id="{F3443BDC-2B00-8C5E-BC0D-ED9DA5CEFFB3}"/>
               </a:ext>
             </a:extLst>
           </p:cNvPr>
@@ -1169,7 +1169,7 @@
           <p:cNvPr id="6" name="灯片编号占位符 5">
             <a:extLst>
               <a:ext uri="{FF2B5EF4-FFF2-40B4-BE49-F238E27FC236}">
-                <a16:creationId xmlns:a16="http://schemas.microsoft.com/office/drawing/2014/main" id="{21866E83-979C-A823-5BA5-6E3985A83B59}"/>
+                <a16:creationId xmlns:a16="http://schemas.microsoft.com/office/drawing/2014/main" id="{2F2D0535-1279-55E1-1B3D-6D54550966E7}"/>
               </a:ext>
             </a:extLst>
           </p:cNvPr>
@@ -1185,7 +1185,7 @@
           <a:bodyPr/>
           <a:lstStyle/>
           <a:p>
-            <a:fld id="{FF3FA316-C751-41E0-B599-EF417C90ADF1}" type="slidenum">
+            <a:fld id="{0F30C6E5-CA08-43FC-A69F-3D268A149A83}" type="slidenum">
               <a:rPr lang="zh-CN" altLang="en-US" smtClean="0"/>
               <a:t>‹#›</a:t>
             </a:fld>
@@ -1196,7 +1196,7 @@
     </p:spTree>
     <p:extLst>
       <p:ext uri="{BB962C8B-B14F-4D97-AF65-F5344CB8AC3E}">
-        <p14:creationId xmlns:p14="http://schemas.microsoft.com/office/powerpoint/2010/main" val="726005092"/>
+        <p14:creationId xmlns:p14="http://schemas.microsoft.com/office/powerpoint/2010/main" val="2288373035"/>
       </p:ext>
     </p:extLst>
   </p:cSld>
@@ -1228,7 +1228,7 @@
           <p:cNvPr id="2" name="标题 1">
             <a:extLst>
               <a:ext uri="{FF2B5EF4-FFF2-40B4-BE49-F238E27FC236}">
-                <a16:creationId xmlns:a16="http://schemas.microsoft.com/office/drawing/2014/main" id="{95380DE8-47BE-9765-5750-DDDA6FC14326}"/>
+                <a16:creationId xmlns:a16="http://schemas.microsoft.com/office/drawing/2014/main" id="{5B04D8B7-8779-8E83-2CCD-059A90EFE126}"/>
               </a:ext>
             </a:extLst>
           </p:cNvPr>
@@ -1256,7 +1256,7 @@
           <p:cNvPr id="3" name="内容占位符 2">
             <a:extLst>
               <a:ext uri="{FF2B5EF4-FFF2-40B4-BE49-F238E27FC236}">
-                <a16:creationId xmlns:a16="http://schemas.microsoft.com/office/drawing/2014/main" id="{AF3D81C9-D6F2-FF78-FC43-BA31DAC3280B}"/>
+                <a16:creationId xmlns:a16="http://schemas.microsoft.com/office/drawing/2014/main" id="{9BA27CB6-5073-198B-2D35-3A4441C751B1}"/>
               </a:ext>
             </a:extLst>
           </p:cNvPr>
@@ -1318,7 +1318,7 @@
           <p:cNvPr id="4" name="内容占位符 3">
             <a:extLst>
               <a:ext uri="{FF2B5EF4-FFF2-40B4-BE49-F238E27FC236}">
-                <a16:creationId xmlns:a16="http://schemas.microsoft.com/office/drawing/2014/main" id="{98CD356D-139C-6B58-92FA-0C8312D7CD35}"/>
+                <a16:creationId xmlns:a16="http://schemas.microsoft.com/office/drawing/2014/main" id="{83ACBD62-1201-AA2F-C8E2-81EDBF098E3B}"/>
               </a:ext>
             </a:extLst>
           </p:cNvPr>
@@ -1380,7 +1380,7 @@
           <p:cNvPr id="5" name="日期占位符 4">
             <a:extLst>
               <a:ext uri="{FF2B5EF4-FFF2-40B4-BE49-F238E27FC236}">
-                <a16:creationId xmlns:a16="http://schemas.microsoft.com/office/drawing/2014/main" id="{4C572793-DE09-518B-17F5-9BEDE12C69D0}"/>
+                <a16:creationId xmlns:a16="http://schemas.microsoft.com/office/drawing/2014/main" id="{76ADA6BE-5CE4-B67F-7371-AADD91241C36}"/>
               </a:ext>
             </a:extLst>
           </p:cNvPr>
@@ -1396,7 +1396,7 @@
           <a:bodyPr/>
           <a:lstStyle/>
           <a:p>
-            <a:fld id="{7ADA73FC-F078-4F7E-950F-1E63BE569201}" type="datetimeFigureOut">
+            <a:fld id="{1CA5F94E-E1B5-4B93-8EA9-57DCC65247E8}" type="datetimeFigureOut">
               <a:rPr lang="zh-CN" altLang="en-US" smtClean="0"/>
               <a:t>2024/3/10</a:t>
             </a:fld>
@@ -1409,7 +1409,7 @@
           <p:cNvPr id="6" name="页脚占位符 5">
             <a:extLst>
               <a:ext uri="{FF2B5EF4-FFF2-40B4-BE49-F238E27FC236}">
-                <a16:creationId xmlns:a16="http://schemas.microsoft.com/office/drawing/2014/main" id="{3587AA46-D328-774E-89D7-592794CAD085}"/>
+                <a16:creationId xmlns:a16="http://schemas.microsoft.com/office/drawing/2014/main" id="{7E3FB8F2-97A9-4FA6-4B95-83EEB48C7E31}"/>
               </a:ext>
             </a:extLst>
           </p:cNvPr>
@@ -1434,7 +1434,7 @@
           <p:cNvPr id="7" name="灯片编号占位符 6">
             <a:extLst>
               <a:ext uri="{FF2B5EF4-FFF2-40B4-BE49-F238E27FC236}">
-                <a16:creationId xmlns:a16="http://schemas.microsoft.com/office/drawing/2014/main" id="{7697F64A-39BE-8E6F-B5DE-53D77C2D2290}"/>
+                <a16:creationId xmlns:a16="http://schemas.microsoft.com/office/drawing/2014/main" id="{EC34E8F6-437D-0FBD-0300-DA177EAB88E0}"/>
               </a:ext>
             </a:extLst>
           </p:cNvPr>
@@ -1450,7 +1450,7 @@
           <a:bodyPr/>
           <a:lstStyle/>
           <a:p>
-            <a:fld id="{FF3FA316-C751-41E0-B599-EF417C90ADF1}" type="slidenum">
+            <a:fld id="{0F30C6E5-CA08-43FC-A69F-3D268A149A83}" type="slidenum">
               <a:rPr lang="zh-CN" altLang="en-US" smtClean="0"/>
               <a:t>‹#›</a:t>
             </a:fld>
@@ -1461,7 +1461,7 @@
     </p:spTree>
     <p:extLst>
       <p:ext uri="{BB962C8B-B14F-4D97-AF65-F5344CB8AC3E}">
-        <p14:creationId xmlns:p14="http://schemas.microsoft.com/office/powerpoint/2010/main" val="4203175102"/>
+        <p14:creationId xmlns:p14="http://schemas.microsoft.com/office/powerpoint/2010/main" val="2091634107"/>
       </p:ext>
     </p:extLst>
   </p:cSld>
@@ -1493,7 +1493,7 @@
           <p:cNvPr id="2" name="标题 1">
             <a:extLst>
               <a:ext uri="{FF2B5EF4-FFF2-40B4-BE49-F238E27FC236}">
-                <a16:creationId xmlns:a16="http://schemas.microsoft.com/office/drawing/2014/main" id="{466BF743-1195-D004-5420-C4A04C299043}"/>
+                <a16:creationId xmlns:a16="http://schemas.microsoft.com/office/drawing/2014/main" id="{90E3C0B1-FAE3-3F86-A3FE-3E2773903151}"/>
               </a:ext>
             </a:extLst>
           </p:cNvPr>
@@ -1526,7 +1526,7 @@
           <p:cNvPr id="3" name="文本占位符 2">
             <a:extLst>
               <a:ext uri="{FF2B5EF4-FFF2-40B4-BE49-F238E27FC236}">
-                <a16:creationId xmlns:a16="http://schemas.microsoft.com/office/drawing/2014/main" id="{FC7034DF-4CCF-70D7-42D0-B4F90B95479D}"/>
+                <a16:creationId xmlns:a16="http://schemas.microsoft.com/office/drawing/2014/main" id="{216E3905-B24C-5F6D-C9DD-6E7949281361}"/>
               </a:ext>
             </a:extLst>
           </p:cNvPr>
@@ -1597,7 +1597,7 @@
           <p:cNvPr id="4" name="内容占位符 3">
             <a:extLst>
               <a:ext uri="{FF2B5EF4-FFF2-40B4-BE49-F238E27FC236}">
-                <a16:creationId xmlns:a16="http://schemas.microsoft.com/office/drawing/2014/main" id="{F9E1B0F1-20CF-A689-4FD0-35A70EA29B7F}"/>
+                <a16:creationId xmlns:a16="http://schemas.microsoft.com/office/drawing/2014/main" id="{80896C51-51C1-A1E4-69EF-6A0E22549C04}"/>
               </a:ext>
             </a:extLst>
           </p:cNvPr>
@@ -1659,7 +1659,7 @@
           <p:cNvPr id="5" name="文本占位符 4">
             <a:extLst>
               <a:ext uri="{FF2B5EF4-FFF2-40B4-BE49-F238E27FC236}">
-                <a16:creationId xmlns:a16="http://schemas.microsoft.com/office/drawing/2014/main" id="{16DB34CE-E7BE-88C1-FEA9-43AB7887630A}"/>
+                <a16:creationId xmlns:a16="http://schemas.microsoft.com/office/drawing/2014/main" id="{4C98D087-E94D-BBE8-7CC5-9527A759842C}"/>
               </a:ext>
             </a:extLst>
           </p:cNvPr>
@@ -1730,7 +1730,7 @@
           <p:cNvPr id="6" name="内容占位符 5">
             <a:extLst>
               <a:ext uri="{FF2B5EF4-FFF2-40B4-BE49-F238E27FC236}">
-                <a16:creationId xmlns:a16="http://schemas.microsoft.com/office/drawing/2014/main" id="{858FA245-8570-AE1F-0681-07C33950F583}"/>
+                <a16:creationId xmlns:a16="http://schemas.microsoft.com/office/drawing/2014/main" id="{89581A4D-2F63-EA35-5586-C5AE26AAC0AE}"/>
               </a:ext>
             </a:extLst>
           </p:cNvPr>
@@ -1792,7 +1792,7 @@
           <p:cNvPr id="7" name="日期占位符 6">
             <a:extLst>
               <a:ext uri="{FF2B5EF4-FFF2-40B4-BE49-F238E27FC236}">
-                <a16:creationId xmlns:a16="http://schemas.microsoft.com/office/drawing/2014/main" id="{6E5549A1-0CE4-094E-ADCA-541594DA1D41}"/>
+                <a16:creationId xmlns:a16="http://schemas.microsoft.com/office/drawing/2014/main" id="{841886CC-41C3-422D-A230-C817BBAE9037}"/>
               </a:ext>
             </a:extLst>
           </p:cNvPr>
@@ -1808,7 +1808,7 @@
           <a:bodyPr/>
           <a:lstStyle/>
           <a:p>
-            <a:fld id="{7ADA73FC-F078-4F7E-950F-1E63BE569201}" type="datetimeFigureOut">
+            <a:fld id="{1CA5F94E-E1B5-4B93-8EA9-57DCC65247E8}" type="datetimeFigureOut">
               <a:rPr lang="zh-CN" altLang="en-US" smtClean="0"/>
               <a:t>2024/3/10</a:t>
             </a:fld>
@@ -1821,7 +1821,7 @@
           <p:cNvPr id="8" name="页脚占位符 7">
             <a:extLst>
               <a:ext uri="{FF2B5EF4-FFF2-40B4-BE49-F238E27FC236}">
-                <a16:creationId xmlns:a16="http://schemas.microsoft.com/office/drawing/2014/main" id="{B79FC939-4089-731F-EE9A-22C84EAEEAC1}"/>
+                <a16:creationId xmlns:a16="http://schemas.microsoft.com/office/drawing/2014/main" id="{EB4F9E55-D195-49D1-24CA-87BEF360564E}"/>
               </a:ext>
             </a:extLst>
           </p:cNvPr>
@@ -1846,7 +1846,7 @@
           <p:cNvPr id="9" name="灯片编号占位符 8">
             <a:extLst>
               <a:ext uri="{FF2B5EF4-FFF2-40B4-BE49-F238E27FC236}">
-                <a16:creationId xmlns:a16="http://schemas.microsoft.com/office/drawing/2014/main" id="{732EA21F-C5BA-24A4-C573-0D253E53CC28}"/>
+                <a16:creationId xmlns:a16="http://schemas.microsoft.com/office/drawing/2014/main" id="{6EE2209E-5908-87E1-97AE-8623532257C9}"/>
               </a:ext>
             </a:extLst>
           </p:cNvPr>
@@ -1862,7 +1862,7 @@
           <a:bodyPr/>
           <a:lstStyle/>
           <a:p>
-            <a:fld id="{FF3FA316-C751-41E0-B599-EF417C90ADF1}" type="slidenum">
+            <a:fld id="{0F30C6E5-CA08-43FC-A69F-3D268A149A83}" type="slidenum">
               <a:rPr lang="zh-CN" altLang="en-US" smtClean="0"/>
               <a:t>‹#›</a:t>
             </a:fld>
@@ -1873,7 +1873,7 @@
     </p:spTree>
     <p:extLst>
       <p:ext uri="{BB962C8B-B14F-4D97-AF65-F5344CB8AC3E}">
-        <p14:creationId xmlns:p14="http://schemas.microsoft.com/office/powerpoint/2010/main" val="3694744210"/>
+        <p14:creationId xmlns:p14="http://schemas.microsoft.com/office/powerpoint/2010/main" val="689893074"/>
       </p:ext>
     </p:extLst>
   </p:cSld>
@@ -1905,7 +1905,7 @@
           <p:cNvPr id="2" name="标题 1">
             <a:extLst>
               <a:ext uri="{FF2B5EF4-FFF2-40B4-BE49-F238E27FC236}">
-                <a16:creationId xmlns:a16="http://schemas.microsoft.com/office/drawing/2014/main" id="{B2114CC6-3E99-8EF6-B0FC-E7600501787D}"/>
+                <a16:creationId xmlns:a16="http://schemas.microsoft.com/office/drawing/2014/main" id="{A3F3618A-7AFA-D1D3-B7D7-591FE8D0D020}"/>
               </a:ext>
             </a:extLst>
           </p:cNvPr>
@@ -1933,7 +1933,7 @@
           <p:cNvPr id="3" name="日期占位符 2">
             <a:extLst>
               <a:ext uri="{FF2B5EF4-FFF2-40B4-BE49-F238E27FC236}">
-                <a16:creationId xmlns:a16="http://schemas.microsoft.com/office/drawing/2014/main" id="{6C52FA2D-94B5-18C1-96C2-E53E82DED411}"/>
+                <a16:creationId xmlns:a16="http://schemas.microsoft.com/office/drawing/2014/main" id="{2982CE76-D02F-BC7D-A722-376C8A1CADFA}"/>
               </a:ext>
             </a:extLst>
           </p:cNvPr>
@@ -1949,7 +1949,7 @@
           <a:bodyPr/>
           <a:lstStyle/>
           <a:p>
-            <a:fld id="{7ADA73FC-F078-4F7E-950F-1E63BE569201}" type="datetimeFigureOut">
+            <a:fld id="{1CA5F94E-E1B5-4B93-8EA9-57DCC65247E8}" type="datetimeFigureOut">
               <a:rPr lang="zh-CN" altLang="en-US" smtClean="0"/>
               <a:t>2024/3/10</a:t>
             </a:fld>
@@ -1962,7 +1962,7 @@
           <p:cNvPr id="4" name="页脚占位符 3">
             <a:extLst>
               <a:ext uri="{FF2B5EF4-FFF2-40B4-BE49-F238E27FC236}">
-                <a16:creationId xmlns:a16="http://schemas.microsoft.com/office/drawing/2014/main" id="{0C74ABBF-E85B-E394-B47C-262B1290E7C8}"/>
+                <a16:creationId xmlns:a16="http://schemas.microsoft.com/office/drawing/2014/main" id="{8C41847E-1139-678A-243D-968969AC44F0}"/>
               </a:ext>
             </a:extLst>
           </p:cNvPr>
@@ -1987,7 +1987,7 @@
           <p:cNvPr id="5" name="灯片编号占位符 4">
             <a:extLst>
               <a:ext uri="{FF2B5EF4-FFF2-40B4-BE49-F238E27FC236}">
-                <a16:creationId xmlns:a16="http://schemas.microsoft.com/office/drawing/2014/main" id="{AA86C761-6DA9-5289-9B54-9614E4160D16}"/>
+                <a16:creationId xmlns:a16="http://schemas.microsoft.com/office/drawing/2014/main" id="{4F226A46-E8F5-5354-4E7D-E7AD1551748C}"/>
               </a:ext>
             </a:extLst>
           </p:cNvPr>
@@ -2003,7 +2003,7 @@
           <a:bodyPr/>
           <a:lstStyle/>
           <a:p>
-            <a:fld id="{FF3FA316-C751-41E0-B599-EF417C90ADF1}" type="slidenum">
+            <a:fld id="{0F30C6E5-CA08-43FC-A69F-3D268A149A83}" type="slidenum">
               <a:rPr lang="zh-CN" altLang="en-US" smtClean="0"/>
               <a:t>‹#›</a:t>
             </a:fld>
@@ -2014,7 +2014,7 @@
     </p:spTree>
     <p:extLst>
       <p:ext uri="{BB962C8B-B14F-4D97-AF65-F5344CB8AC3E}">
-        <p14:creationId xmlns:p14="http://schemas.microsoft.com/office/powerpoint/2010/main" val="3563061516"/>
+        <p14:creationId xmlns:p14="http://schemas.microsoft.com/office/powerpoint/2010/main" val="2968647850"/>
       </p:ext>
     </p:extLst>
   </p:cSld>
@@ -2046,7 +2046,7 @@
           <p:cNvPr id="2" name="日期占位符 1">
             <a:extLst>
               <a:ext uri="{FF2B5EF4-FFF2-40B4-BE49-F238E27FC236}">
-                <a16:creationId xmlns:a16="http://schemas.microsoft.com/office/drawing/2014/main" id="{98F3046C-C9A3-5619-5583-3AF5BD3ACAA2}"/>
+                <a16:creationId xmlns:a16="http://schemas.microsoft.com/office/drawing/2014/main" id="{D43A41A3-2780-8E9A-5102-8217305B2D62}"/>
               </a:ext>
             </a:extLst>
           </p:cNvPr>
@@ -2062,7 +2062,7 @@
           <a:bodyPr/>
           <a:lstStyle/>
           <a:p>
-            <a:fld id="{7ADA73FC-F078-4F7E-950F-1E63BE569201}" type="datetimeFigureOut">
+            <a:fld id="{1CA5F94E-E1B5-4B93-8EA9-57DCC65247E8}" type="datetimeFigureOut">
               <a:rPr lang="zh-CN" altLang="en-US" smtClean="0"/>
               <a:t>2024/3/10</a:t>
             </a:fld>
@@ -2075,7 +2075,7 @@
           <p:cNvPr id="3" name="页脚占位符 2">
             <a:extLst>
               <a:ext uri="{FF2B5EF4-FFF2-40B4-BE49-F238E27FC236}">
-                <a16:creationId xmlns:a16="http://schemas.microsoft.com/office/drawing/2014/main" id="{9C4EE043-888B-5B3E-B3D4-5507A34F09FB}"/>
+                <a16:creationId xmlns:a16="http://schemas.microsoft.com/office/drawing/2014/main" id="{83174A93-43CA-39E1-BC54-6AAB2F7454EB}"/>
               </a:ext>
             </a:extLst>
           </p:cNvPr>
@@ -2100,7 +2100,7 @@
           <p:cNvPr id="4" name="灯片编号占位符 3">
             <a:extLst>
               <a:ext uri="{FF2B5EF4-FFF2-40B4-BE49-F238E27FC236}">
-                <a16:creationId xmlns:a16="http://schemas.microsoft.com/office/drawing/2014/main" id="{16ADFD27-AA43-15B3-B755-96BDE78FD42A}"/>
+                <a16:creationId xmlns:a16="http://schemas.microsoft.com/office/drawing/2014/main" id="{7C6B0564-9EF8-BFD2-A817-6E0F905AE816}"/>
               </a:ext>
             </a:extLst>
           </p:cNvPr>
@@ -2116,7 +2116,7 @@
           <a:bodyPr/>
           <a:lstStyle/>
           <a:p>
-            <a:fld id="{FF3FA316-C751-41E0-B599-EF417C90ADF1}" type="slidenum">
+            <a:fld id="{0F30C6E5-CA08-43FC-A69F-3D268A149A83}" type="slidenum">
               <a:rPr lang="zh-CN" altLang="en-US" smtClean="0"/>
               <a:t>‹#›</a:t>
             </a:fld>
@@ -2127,7 +2127,7 @@
     </p:spTree>
     <p:extLst>
       <p:ext uri="{BB962C8B-B14F-4D97-AF65-F5344CB8AC3E}">
-        <p14:creationId xmlns:p14="http://schemas.microsoft.com/office/powerpoint/2010/main" val="1272626663"/>
+        <p14:creationId xmlns:p14="http://schemas.microsoft.com/office/powerpoint/2010/main" val="1107209912"/>
       </p:ext>
     </p:extLst>
   </p:cSld>
@@ -2159,7 +2159,7 @@
           <p:cNvPr id="2" name="标题 1">
             <a:extLst>
               <a:ext uri="{FF2B5EF4-FFF2-40B4-BE49-F238E27FC236}">
-                <a16:creationId xmlns:a16="http://schemas.microsoft.com/office/drawing/2014/main" id="{EC211DC8-F955-1B0A-4A84-ADF6400E5A28}"/>
+                <a16:creationId xmlns:a16="http://schemas.microsoft.com/office/drawing/2014/main" id="{3A0C2736-E6FF-E173-A7FD-C4DE30FF678C}"/>
               </a:ext>
             </a:extLst>
           </p:cNvPr>
@@ -2196,7 +2196,7 @@
           <p:cNvPr id="3" name="内容占位符 2">
             <a:extLst>
               <a:ext uri="{FF2B5EF4-FFF2-40B4-BE49-F238E27FC236}">
-                <a16:creationId xmlns:a16="http://schemas.microsoft.com/office/drawing/2014/main" id="{82CE0594-312D-8FF9-2B7C-3E3486CDD2B7}"/>
+                <a16:creationId xmlns:a16="http://schemas.microsoft.com/office/drawing/2014/main" id="{1729F97C-8705-21E0-5257-A845745A5EAE}"/>
               </a:ext>
             </a:extLst>
           </p:cNvPr>
@@ -2286,7 +2286,7 @@
           <p:cNvPr id="4" name="文本占位符 3">
             <a:extLst>
               <a:ext uri="{FF2B5EF4-FFF2-40B4-BE49-F238E27FC236}">
-                <a16:creationId xmlns:a16="http://schemas.microsoft.com/office/drawing/2014/main" id="{E9FA4DC4-760D-5482-C409-91888236CACF}"/>
+                <a16:creationId xmlns:a16="http://schemas.microsoft.com/office/drawing/2014/main" id="{9946AAB2-5BEE-7DED-DF1E-4BD6E8C69C5B}"/>
               </a:ext>
             </a:extLst>
           </p:cNvPr>
@@ -2357,7 +2357,7 @@
           <p:cNvPr id="5" name="日期占位符 4">
             <a:extLst>
               <a:ext uri="{FF2B5EF4-FFF2-40B4-BE49-F238E27FC236}">
-                <a16:creationId xmlns:a16="http://schemas.microsoft.com/office/drawing/2014/main" id="{A40E71F9-8DEB-D1EA-AABB-DE70CE913A51}"/>
+                <a16:creationId xmlns:a16="http://schemas.microsoft.com/office/drawing/2014/main" id="{2E406195-5ECC-C2A7-B3CF-FDF883B535DD}"/>
               </a:ext>
             </a:extLst>
           </p:cNvPr>
@@ -2373,7 +2373,7 @@
           <a:bodyPr/>
           <a:lstStyle/>
           <a:p>
-            <a:fld id="{7ADA73FC-F078-4F7E-950F-1E63BE569201}" type="datetimeFigureOut">
+            <a:fld id="{1CA5F94E-E1B5-4B93-8EA9-57DCC65247E8}" type="datetimeFigureOut">
               <a:rPr lang="zh-CN" altLang="en-US" smtClean="0"/>
               <a:t>2024/3/10</a:t>
             </a:fld>
@@ -2386,7 +2386,7 @@
           <p:cNvPr id="6" name="页脚占位符 5">
             <a:extLst>
               <a:ext uri="{FF2B5EF4-FFF2-40B4-BE49-F238E27FC236}">
-                <a16:creationId xmlns:a16="http://schemas.microsoft.com/office/drawing/2014/main" id="{AA9886A8-ED85-C358-9C3F-AD90C00376E3}"/>
+                <a16:creationId xmlns:a16="http://schemas.microsoft.com/office/drawing/2014/main" id="{E203D7B4-8AAB-AF70-7843-5A87AF7F8B2D}"/>
               </a:ext>
             </a:extLst>
           </p:cNvPr>
@@ -2411,7 +2411,7 @@
           <p:cNvPr id="7" name="灯片编号占位符 6">
             <a:extLst>
               <a:ext uri="{FF2B5EF4-FFF2-40B4-BE49-F238E27FC236}">
-                <a16:creationId xmlns:a16="http://schemas.microsoft.com/office/drawing/2014/main" id="{275975EC-C108-AF30-70A5-BC1B23F633AC}"/>
+                <a16:creationId xmlns:a16="http://schemas.microsoft.com/office/drawing/2014/main" id="{C5AED729-862C-0D54-5607-D3A0F09374C3}"/>
               </a:ext>
             </a:extLst>
           </p:cNvPr>
@@ -2427,7 +2427,7 @@
           <a:bodyPr/>
           <a:lstStyle/>
           <a:p>
-            <a:fld id="{FF3FA316-C751-41E0-B599-EF417C90ADF1}" type="slidenum">
+            <a:fld id="{0F30C6E5-CA08-43FC-A69F-3D268A149A83}" type="slidenum">
               <a:rPr lang="zh-CN" altLang="en-US" smtClean="0"/>
               <a:t>‹#›</a:t>
             </a:fld>
@@ -2438,7 +2438,7 @@
     </p:spTree>
     <p:extLst>
       <p:ext uri="{BB962C8B-B14F-4D97-AF65-F5344CB8AC3E}">
-        <p14:creationId xmlns:p14="http://schemas.microsoft.com/office/powerpoint/2010/main" val="2295939990"/>
+        <p14:creationId xmlns:p14="http://schemas.microsoft.com/office/powerpoint/2010/main" val="419653645"/>
       </p:ext>
     </p:extLst>
   </p:cSld>
@@ -2470,7 +2470,7 @@
           <p:cNvPr id="2" name="标题 1">
             <a:extLst>
               <a:ext uri="{FF2B5EF4-FFF2-40B4-BE49-F238E27FC236}">
-                <a16:creationId xmlns:a16="http://schemas.microsoft.com/office/drawing/2014/main" id="{45FE8C9E-7235-38AC-43EF-B9BC74000D65}"/>
+                <a16:creationId xmlns:a16="http://schemas.microsoft.com/office/drawing/2014/main" id="{B7A6A552-6CD1-9AF8-DBA4-9A49A36681E9}"/>
               </a:ext>
             </a:extLst>
           </p:cNvPr>
@@ -2507,7 +2507,7 @@
           <p:cNvPr id="3" name="图片占位符 2">
             <a:extLst>
               <a:ext uri="{FF2B5EF4-FFF2-40B4-BE49-F238E27FC236}">
-                <a16:creationId xmlns:a16="http://schemas.microsoft.com/office/drawing/2014/main" id="{3695DEE9-A51B-19C6-8CBF-E27CF758373A}"/>
+                <a16:creationId xmlns:a16="http://schemas.microsoft.com/office/drawing/2014/main" id="{5C705F2B-18D9-1F27-31D2-FDB24653921B}"/>
               </a:ext>
             </a:extLst>
           </p:cNvPr>
@@ -2574,7 +2574,7 @@
           <p:cNvPr id="4" name="文本占位符 3">
             <a:extLst>
               <a:ext uri="{FF2B5EF4-FFF2-40B4-BE49-F238E27FC236}">
-                <a16:creationId xmlns:a16="http://schemas.microsoft.com/office/drawing/2014/main" id="{805B867D-3DA8-34A2-9947-40636EC4758A}"/>
+                <a16:creationId xmlns:a16="http://schemas.microsoft.com/office/drawing/2014/main" id="{F68ADE3D-4D5D-0F44-E18C-F1B466A9F0D6}"/>
               </a:ext>
             </a:extLst>
           </p:cNvPr>
@@ -2645,7 +2645,7 @@
           <p:cNvPr id="5" name="日期占位符 4">
             <a:extLst>
               <a:ext uri="{FF2B5EF4-FFF2-40B4-BE49-F238E27FC236}">
-                <a16:creationId xmlns:a16="http://schemas.microsoft.com/office/drawing/2014/main" id="{7B3CBC12-3A7A-19D0-1EBC-CF0DE6370B04}"/>
+                <a16:creationId xmlns:a16="http://schemas.microsoft.com/office/drawing/2014/main" id="{92D9608E-B684-1C40-8B7D-4729CF74A27D}"/>
               </a:ext>
             </a:extLst>
           </p:cNvPr>
@@ -2661,7 +2661,7 @@
           <a:bodyPr/>
           <a:lstStyle/>
           <a:p>
-            <a:fld id="{7ADA73FC-F078-4F7E-950F-1E63BE569201}" type="datetimeFigureOut">
+            <a:fld id="{1CA5F94E-E1B5-4B93-8EA9-57DCC65247E8}" type="datetimeFigureOut">
               <a:rPr lang="zh-CN" altLang="en-US" smtClean="0"/>
               <a:t>2024/3/10</a:t>
             </a:fld>
@@ -2674,7 +2674,7 @@
           <p:cNvPr id="6" name="页脚占位符 5">
             <a:extLst>
               <a:ext uri="{FF2B5EF4-FFF2-40B4-BE49-F238E27FC236}">
-                <a16:creationId xmlns:a16="http://schemas.microsoft.com/office/drawing/2014/main" id="{EFF916BC-6577-2206-3CBE-0931A63849F8}"/>
+                <a16:creationId xmlns:a16="http://schemas.microsoft.com/office/drawing/2014/main" id="{90001A4A-E85D-DDF9-55FD-CD9FB2A187A8}"/>
               </a:ext>
             </a:extLst>
           </p:cNvPr>
@@ -2699,7 +2699,7 @@
           <p:cNvPr id="7" name="灯片编号占位符 6">
             <a:extLst>
               <a:ext uri="{FF2B5EF4-FFF2-40B4-BE49-F238E27FC236}">
-                <a16:creationId xmlns:a16="http://schemas.microsoft.com/office/drawing/2014/main" id="{60E62E13-BF3B-08ED-B4F2-8EE2F71B1007}"/>
+                <a16:creationId xmlns:a16="http://schemas.microsoft.com/office/drawing/2014/main" id="{F2F7F45D-0E32-0D2E-8278-817CF09DCC06}"/>
               </a:ext>
             </a:extLst>
           </p:cNvPr>
@@ -2715,7 +2715,7 @@
           <a:bodyPr/>
           <a:lstStyle/>
           <a:p>
-            <a:fld id="{FF3FA316-C751-41E0-B599-EF417C90ADF1}" type="slidenum">
+            <a:fld id="{0F30C6E5-CA08-43FC-A69F-3D268A149A83}" type="slidenum">
               <a:rPr lang="zh-CN" altLang="en-US" smtClean="0"/>
               <a:t>‹#›</a:t>
             </a:fld>
@@ -2726,7 +2726,7 @@
     </p:spTree>
     <p:extLst>
       <p:ext uri="{BB962C8B-B14F-4D97-AF65-F5344CB8AC3E}">
-        <p14:creationId xmlns:p14="http://schemas.microsoft.com/office/powerpoint/2010/main" val="1517371635"/>
+        <p14:creationId xmlns:p14="http://schemas.microsoft.com/office/powerpoint/2010/main" val="869780956"/>
       </p:ext>
     </p:extLst>
   </p:cSld>
@@ -2763,7 +2763,7 @@
           <p:cNvPr id="2" name="标题占位符 1">
             <a:extLst>
               <a:ext uri="{FF2B5EF4-FFF2-40B4-BE49-F238E27FC236}">
-                <a16:creationId xmlns:a16="http://schemas.microsoft.com/office/drawing/2014/main" id="{110D6395-9408-06D2-069A-9C240BE55CD0}"/>
+                <a16:creationId xmlns:a16="http://schemas.microsoft.com/office/drawing/2014/main" id="{A572DBCB-60E5-21BC-E0C1-5152179384B4}"/>
               </a:ext>
             </a:extLst>
           </p:cNvPr>
@@ -2801,7 +2801,7 @@
           <p:cNvPr id="3" name="文本占位符 2">
             <a:extLst>
               <a:ext uri="{FF2B5EF4-FFF2-40B4-BE49-F238E27FC236}">
-                <a16:creationId xmlns:a16="http://schemas.microsoft.com/office/drawing/2014/main" id="{A9D99857-0138-4302-C583-2C72B9DC81CF}"/>
+                <a16:creationId xmlns:a16="http://schemas.microsoft.com/office/drawing/2014/main" id="{66FB1EFE-DE30-1EFA-3A8B-95BF3B19E47D}"/>
               </a:ext>
             </a:extLst>
           </p:cNvPr>
@@ -2868,7 +2868,7 @@
           <p:cNvPr id="4" name="日期占位符 3">
             <a:extLst>
               <a:ext uri="{FF2B5EF4-FFF2-40B4-BE49-F238E27FC236}">
-                <a16:creationId xmlns:a16="http://schemas.microsoft.com/office/drawing/2014/main" id="{D4BCFF06-5650-8B24-B15C-FBA7E3DC8F6B}"/>
+                <a16:creationId xmlns:a16="http://schemas.microsoft.com/office/drawing/2014/main" id="{33483B41-677B-0AE9-96A4-32481D8CCEB8}"/>
               </a:ext>
             </a:extLst>
           </p:cNvPr>
@@ -2902,7 +2902,7 @@
             </a:lvl1pPr>
           </a:lstStyle>
           <a:p>
-            <a:fld id="{7ADA73FC-F078-4F7E-950F-1E63BE569201}" type="datetimeFigureOut">
+            <a:fld id="{1CA5F94E-E1B5-4B93-8EA9-57DCC65247E8}" type="datetimeFigureOut">
               <a:rPr lang="zh-CN" altLang="en-US" smtClean="0"/>
               <a:t>2024/3/10</a:t>
             </a:fld>
@@ -2915,7 +2915,7 @@
           <p:cNvPr id="5" name="页脚占位符 4">
             <a:extLst>
               <a:ext uri="{FF2B5EF4-FFF2-40B4-BE49-F238E27FC236}">
-                <a16:creationId xmlns:a16="http://schemas.microsoft.com/office/drawing/2014/main" id="{F94FB1A2-304D-B39D-6AA8-611405A2E742}"/>
+                <a16:creationId xmlns:a16="http://schemas.microsoft.com/office/drawing/2014/main" id="{2816EE16-151F-8DCB-A15A-5758B7CA4671}"/>
               </a:ext>
             </a:extLst>
           </p:cNvPr>
@@ -2958,7 +2958,7 @@
           <p:cNvPr id="6" name="灯片编号占位符 5">
             <a:extLst>
               <a:ext uri="{FF2B5EF4-FFF2-40B4-BE49-F238E27FC236}">
-                <a16:creationId xmlns:a16="http://schemas.microsoft.com/office/drawing/2014/main" id="{224B032F-04A3-7243-AD58-D038C4355804}"/>
+                <a16:creationId xmlns:a16="http://schemas.microsoft.com/office/drawing/2014/main" id="{B7AF09B4-3ECC-097D-7253-45C83458CBEB}"/>
               </a:ext>
             </a:extLst>
           </p:cNvPr>
@@ -2992,7 +2992,7 @@
             </a:lvl1pPr>
           </a:lstStyle>
           <a:p>
-            <a:fld id="{FF3FA316-C751-41E0-B599-EF417C90ADF1}" type="slidenum">
+            <a:fld id="{0F30C6E5-CA08-43FC-A69F-3D268A149A83}" type="slidenum">
               <a:rPr lang="zh-CN" altLang="en-US" smtClean="0"/>
               <a:t>‹#›</a:t>
             </a:fld>
@@ -3003,7 +3003,7 @@
     </p:spTree>
     <p:extLst>
       <p:ext uri="{BB962C8B-B14F-4D97-AF65-F5344CB8AC3E}">
-        <p14:creationId xmlns:p14="http://schemas.microsoft.com/office/powerpoint/2010/main" val="2001317332"/>
+        <p14:creationId xmlns:p14="http://schemas.microsoft.com/office/powerpoint/2010/main" val="3407693295"/>
       </p:ext>
     </p:extLst>
   </p:cSld>
